--- a/ppt/组会分享ppt.pptx
+++ b/ppt/组会分享ppt.pptx
@@ -8183,68 +8183,6 @@
           </a:prstGeom>
         </p:spPr>
       </p:pic>
-      <p:sp>
-        <p:nvSpPr>
-          <p:cNvPr id="6" name="文本框 5"/>
-          <p:cNvSpPr txBox="1"/>
-          <p:nvPr/>
-        </p:nvSpPr>
-        <p:spPr>
-          <a:xfrm>
-            <a:off x="8763000" y="5125720"/>
-            <a:ext cx="4064000" cy="368300"/>
-          </a:xfrm>
-          <a:prstGeom prst="rect">
-            <a:avLst/>
-          </a:prstGeom>
-          <a:noFill/>
-        </p:spPr>
-        <p:txBody>
-          <a:bodyPr wrap="square" rtlCol="0">
-            <a:spAutoFit/>
-          </a:bodyPr>
-          <a:p>
-            <a:r>
-              <a:rPr lang="en-US" altLang="zh-CN"/>
-              <a:t>(21+7+16)/3=14.7</a:t>
-            </a:r>
-            <a:endParaRPr lang="en-US" altLang="zh-CN"/>
-          </a:p>
-        </p:txBody>
-      </p:sp>
-      <p:sp>
-        <p:nvSpPr>
-          <p:cNvPr id="7" name="文本框 6"/>
-          <p:cNvSpPr txBox="1"/>
-          <p:nvPr>
-            <p:custDataLst>
-              <p:tags r:id="rId5"/>
-            </p:custDataLst>
-          </p:nvPr>
-        </p:nvSpPr>
-        <p:spPr>
-          <a:xfrm>
-            <a:off x="8763000" y="5494020"/>
-            <a:ext cx="4064000" cy="368300"/>
-          </a:xfrm>
-          <a:prstGeom prst="rect">
-            <a:avLst/>
-          </a:prstGeom>
-          <a:noFill/>
-        </p:spPr>
-        <p:txBody>
-          <a:bodyPr wrap="square" rtlCol="0">
-            <a:spAutoFit/>
-          </a:bodyPr>
-          <a:p>
-            <a:r>
-              <a:rPr lang="en-US" altLang="zh-CN"/>
-              <a:t>(7+15+11)/3+17+14.7=42.7</a:t>
-            </a:r>
-            <a:endParaRPr lang="en-US" altLang="zh-CN"/>
-          </a:p>
-        </p:txBody>
-      </p:sp>
     </p:spTree>
   </p:cSld>
   <p:clrMapOvr>
@@ -22543,7 +22481,9 @@
 
 <file path=ppt/tags/tag139.xml><?xml version="1.0" encoding="utf-8"?>
 <p:tagLst xmlns:p="http://schemas.openxmlformats.org/presentationml/2006/main">
-  <p:tag name="KSO_WM_BEAUTIFY_FLAG" val=""/>
+  <p:tag name="KSO_WM_UNIT_TABLE_BEAUTIFY" val="smartTable{1fa8c03d-b770-46d9-be72-8861d5a1ff6e}"/>
+  <p:tag name="TABLE_ENDDRAG_ORIGIN_RECT" val="258*138"/>
+  <p:tag name="TABLE_ENDDRAG_RECT" val="685*96*258*138"/>
 </p:tagLst>
 </file>
 
@@ -22555,9 +22495,7 @@
 
 <file path=ppt/tags/tag140.xml><?xml version="1.0" encoding="utf-8"?>
 <p:tagLst xmlns:p="http://schemas.openxmlformats.org/presentationml/2006/main">
-  <p:tag name="KSO_WM_UNIT_TABLE_BEAUTIFY" val="smartTable{1fa8c03d-b770-46d9-be72-8861d5a1ff6e}"/>
-  <p:tag name="TABLE_ENDDRAG_ORIGIN_RECT" val="258*138"/>
-  <p:tag name="TABLE_ENDDRAG_RECT" val="685*96*258*138"/>
+  <p:tag name="KSO_WM_BEAUTIFY_FLAG" val=""/>
 </p:tagLst>
 </file>
 
@@ -23186,12 +23124,6 @@
 </file>
 
 <file path=ppt/tags/tag235.xml><?xml version="1.0" encoding="utf-8"?>
-<p:tagLst xmlns:p="http://schemas.openxmlformats.org/presentationml/2006/main">
-  <p:tag name="KSO_WM_BEAUTIFY_FLAG" val=""/>
-</p:tagLst>
-</file>
-
-<file path=ppt/tags/tag236.xml><?xml version="1.0" encoding="utf-8"?>
 <p:tagLst xmlns:p="http://schemas.openxmlformats.org/presentationml/2006/main">
   <p:tag name="COMMONDATA" val="eyJoZGlkIjoiNWRiN2EzOTIwNTFkMWRjYjlhM2M2MjEwMTAzOTAyMTAifQ=="/>
   <p:tag name="KSO_WPP_MARK_KEY" val="549a81cd-73cd-4008-ae1b-90ebf262a54e"/>
@@ -23603,15 +23535,15 @@
 
 <file path=ppt/tags/tag85.xml><?xml version="1.0" encoding="utf-8"?>
 <p:tagLst xmlns:p="http://schemas.openxmlformats.org/presentationml/2006/main">
-  <p:tag name="KSO_WM_BEAUTIFY_FLAG" val=""/>
-</p:tagLst>
-</file>
-
-<file path=ppt/tags/tag86.xml><?xml version="1.0" encoding="utf-8"?>
-<p:tagLst xmlns:p="http://schemas.openxmlformats.org/presentationml/2006/main">
   <p:tag name="KSO_WM_UNIT_TABLE_BEAUTIFY" val="smartTable{1fa8c03d-b770-46d9-be72-8861d5a1ff6e}"/>
   <p:tag name="TABLE_ENDDRAG_ORIGIN_RECT" val="296*118"/>
   <p:tag name="TABLE_ENDDRAG_RECT" val="647*350*296*118"/>
+</p:tagLst>
+</file>
+
+<file path=ppt/tags/tag86.xml><?xml version="1.0" encoding="utf-8"?>
+<p:tagLst xmlns:p="http://schemas.openxmlformats.org/presentationml/2006/main">
+  <p:tag name="KSO_WM_BEAUTIFY_FLAG" val=""/>
 </p:tagLst>
 </file>
 
